--- a/ppt/chenile-presentation.pptx
+++ b/ppt/chenile-presentation.pptx
@@ -13,8 +13,8 @@
     <p:sldId id="258" r:id="rId4"/>
     <p:sldId id="262" r:id="rId5"/>
     <p:sldId id="257" r:id="rId6"/>
-    <p:sldId id="259" r:id="rId7"/>
-    <p:sldId id="264" r:id="rId8"/>
+    <p:sldId id="264" r:id="rId7"/>
+    <p:sldId id="259" r:id="rId8"/>
   </p:sldIdLst>
   <p:sldSz cx="12192000" cy="6858000"/>
   <p:notesSz cx="6858000" cy="9144000"/>
@@ -203,7 +203,7 @@
           <a:p>
             <a:fld id="{83C766F2-C88A-8644-B38B-4253B530D9A0}" type="datetimeFigureOut">
               <a:rPr lang="en-US" smtClean="0"/>
-              <a:t>4/2/25</a:t>
+              <a:t>6/6/25</a:t>
             </a:fld>
             <a:endParaRPr lang="en-US"/>
           </a:p>
@@ -536,7 +536,7 @@
           <a:p>
             <a:fld id="{DF550A5F-774C-0C48-8BC4-CDD26E9E4B4F}" type="slidenum">
               <a:rPr lang="en-US" smtClean="0"/>
-              <a:t>7</a:t>
+              <a:t>6</a:t>
             </a:fld>
             <a:endParaRPr lang="en-US"/>
           </a:p>
@@ -743,7 +743,7 @@
           <a:p>
             <a:fld id="{BCB44191-F645-0249-BC75-C58B9FE779BF}" type="datetimeFigureOut">
               <a:rPr lang="en-US" smtClean="0"/>
-              <a:t>4/2/25</a:t>
+              <a:t>6/6/25</a:t>
             </a:fld>
             <a:endParaRPr lang="en-US"/>
           </a:p>
@@ -1081,7 +1081,7 @@
           <a:p>
             <a:fld id="{BCB44191-F645-0249-BC75-C58B9FE779BF}" type="datetimeFigureOut">
               <a:rPr lang="en-US" smtClean="0"/>
-              <a:t>4/2/25</a:t>
+              <a:t>6/6/25</a:t>
             </a:fld>
             <a:endParaRPr lang="en-US"/>
           </a:p>
@@ -1482,7 +1482,7 @@
           <a:p>
             <a:fld id="{BCB44191-F645-0249-BC75-C58B9FE779BF}" type="datetimeFigureOut">
               <a:rPr lang="en-US" smtClean="0"/>
-              <a:t>4/2/25</a:t>
+              <a:t>6/6/25</a:t>
             </a:fld>
             <a:endParaRPr lang="en-US"/>
           </a:p>
@@ -1818,7 +1818,7 @@
           <a:p>
             <a:fld id="{BCB44191-F645-0249-BC75-C58B9FE779BF}" type="datetimeFigureOut">
               <a:rPr lang="en-US" smtClean="0"/>
-              <a:t>4/2/25</a:t>
+              <a:t>6/6/25</a:t>
             </a:fld>
             <a:endParaRPr lang="en-US"/>
           </a:p>
@@ -2138,7 +2138,7 @@
           <a:p>
             <a:fld id="{BCB44191-F645-0249-BC75-C58B9FE779BF}" type="datetimeFigureOut">
               <a:rPr lang="en-US" smtClean="0"/>
-              <a:t>4/2/25</a:t>
+              <a:t>6/6/25</a:t>
             </a:fld>
             <a:endParaRPr lang="en-US"/>
           </a:p>
@@ -2534,7 +2534,7 @@
           <a:p>
             <a:fld id="{BCB44191-F645-0249-BC75-C58B9FE779BF}" type="datetimeFigureOut">
               <a:rPr lang="en-US" smtClean="0"/>
-              <a:t>4/2/25</a:t>
+              <a:t>6/6/25</a:t>
             </a:fld>
             <a:endParaRPr lang="en-US"/>
           </a:p>
@@ -2791,7 +2791,7 @@
           <a:p>
             <a:fld id="{BCB44191-F645-0249-BC75-C58B9FE779BF}" type="datetimeFigureOut">
               <a:rPr lang="en-US" smtClean="0"/>
-              <a:t>4/2/25</a:t>
+              <a:t>6/6/25</a:t>
             </a:fld>
             <a:endParaRPr lang="en-US"/>
           </a:p>
@@ -3053,7 +3053,7 @@
           <a:p>
             <a:fld id="{BCB44191-F645-0249-BC75-C58B9FE779BF}" type="datetimeFigureOut">
               <a:rPr lang="en-US" smtClean="0"/>
-              <a:t>4/2/25</a:t>
+              <a:t>6/6/25</a:t>
             </a:fld>
             <a:endParaRPr lang="en-US"/>
           </a:p>
@@ -3315,7 +3315,7 @@
           <a:p>
             <a:fld id="{BCB44191-F645-0249-BC75-C58B9FE779BF}" type="datetimeFigureOut">
               <a:rPr lang="en-US" smtClean="0"/>
-              <a:t>4/2/25</a:t>
+              <a:t>6/6/25</a:t>
             </a:fld>
             <a:endParaRPr lang="en-US"/>
           </a:p>
@@ -3644,7 +3644,7 @@
           <a:p>
             <a:fld id="{BCB44191-F645-0249-BC75-C58B9FE779BF}" type="datetimeFigureOut">
               <a:rPr lang="en-US" smtClean="0"/>
-              <a:t>4/2/25</a:t>
+              <a:t>6/6/25</a:t>
             </a:fld>
             <a:endParaRPr lang="en-US"/>
           </a:p>
@@ -3967,7 +3967,7 @@
           <a:p>
             <a:fld id="{BCB44191-F645-0249-BC75-C58B9FE779BF}" type="datetimeFigureOut">
               <a:rPr lang="en-US" smtClean="0"/>
-              <a:t>4/2/25</a:t>
+              <a:t>6/6/25</a:t>
             </a:fld>
             <a:endParaRPr lang="en-US"/>
           </a:p>
@@ -4424,7 +4424,7 @@
           <a:p>
             <a:fld id="{BCB44191-F645-0249-BC75-C58B9FE779BF}" type="datetimeFigureOut">
               <a:rPr lang="en-US" smtClean="0"/>
-              <a:t>4/2/25</a:t>
+              <a:t>6/6/25</a:t>
             </a:fld>
             <a:endParaRPr lang="en-US"/>
           </a:p>
@@ -4629,7 +4629,7 @@
           <a:p>
             <a:fld id="{BCB44191-F645-0249-BC75-C58B9FE779BF}" type="datetimeFigureOut">
               <a:rPr lang="en-US" smtClean="0"/>
-              <a:t>4/2/25</a:t>
+              <a:t>6/6/25</a:t>
             </a:fld>
             <a:endParaRPr lang="en-US"/>
           </a:p>
@@ -4806,7 +4806,7 @@
           <a:p>
             <a:fld id="{BCB44191-F645-0249-BC75-C58B9FE779BF}" type="datetimeFigureOut">
               <a:rPr lang="en-US" smtClean="0"/>
-              <a:t>4/2/25</a:t>
+              <a:t>6/6/25</a:t>
             </a:fld>
             <a:endParaRPr lang="en-US"/>
           </a:p>
@@ -5139,7 +5139,7 @@
           <a:p>
             <a:fld id="{BCB44191-F645-0249-BC75-C58B9FE779BF}" type="datetimeFigureOut">
               <a:rPr lang="en-US" smtClean="0"/>
-              <a:t>4/2/25</a:t>
+              <a:t>6/6/25</a:t>
             </a:fld>
             <a:endParaRPr lang="en-US"/>
           </a:p>
@@ -5484,7 +5484,7 @@
           <a:p>
             <a:fld id="{BCB44191-F645-0249-BC75-C58B9FE779BF}" type="datetimeFigureOut">
               <a:rPr lang="en-US" smtClean="0"/>
-              <a:t>4/2/25</a:t>
+              <a:t>6/6/25</a:t>
             </a:fld>
             <a:endParaRPr lang="en-US"/>
           </a:p>
@@ -7601,7 +7601,7 @@
           <a:p>
             <a:fld id="{BCB44191-F645-0249-BC75-C58B9FE779BF}" type="datetimeFigureOut">
               <a:rPr lang="en-US" smtClean="0"/>
-              <a:t>4/2/25</a:t>
+              <a:t>6/6/25</a:t>
             </a:fld>
             <a:endParaRPr lang="en-US"/>
           </a:p>
@@ -26272,6 +26272,517 @@
       </p:grpSpPr>
       <p:sp>
         <p:nvSpPr>
+          <p:cNvPr id="2" name="Title 1">
+            <a:extLst>
+              <a:ext uri="{FF2B5EF4-FFF2-40B4-BE49-F238E27FC236}">
+                <a16:creationId xmlns:a16="http://schemas.microsoft.com/office/drawing/2014/main" id="{E5EB59A2-2DA9-A4A5-99CE-38B2F286E812}"/>
+              </a:ext>
+            </a:extLst>
+          </p:cNvPr>
+          <p:cNvSpPr txBox="1">
+            <a:spLocks/>
+          </p:cNvSpPr>
+          <p:nvPr/>
+        </p:nvSpPr>
+        <p:spPr>
+          <a:xfrm>
+            <a:off x="1624075" y="210800"/>
+            <a:ext cx="3766068" cy="1280890"/>
+          </a:xfrm>
+          <a:prstGeom prst="rect">
+            <a:avLst/>
+          </a:prstGeom>
+        </p:spPr>
+        <p:txBody>
+          <a:bodyPr/>
+          <a:lstStyle>
+            <a:lvl1pPr algn="l" defTabSz="457200" rtl="0" eaLnBrk="1" latinLnBrk="0" hangingPunct="1">
+              <a:spcBef>
+                <a:spcPct val="0"/>
+              </a:spcBef>
+              <a:buNone/>
+              <a:defRPr sz="3600" kern="1200">
+                <a:solidFill>
+                  <a:schemeClr val="tx1">
+                    <a:lumMod val="85000"/>
+                    <a:lumOff val="15000"/>
+                  </a:schemeClr>
+                </a:solidFill>
+                <a:latin typeface="+mj-lt"/>
+                <a:ea typeface="+mj-ea"/>
+                <a:cs typeface="+mj-cs"/>
+              </a:defRPr>
+            </a:lvl1pPr>
+            <a:lvl2pPr eaLnBrk="1" hangingPunct="1">
+              <a:defRPr>
+                <a:solidFill>
+                  <a:schemeClr val="tx2"/>
+                </a:solidFill>
+              </a:defRPr>
+            </a:lvl2pPr>
+            <a:lvl3pPr eaLnBrk="1" hangingPunct="1">
+              <a:defRPr>
+                <a:solidFill>
+                  <a:schemeClr val="tx2"/>
+                </a:solidFill>
+              </a:defRPr>
+            </a:lvl3pPr>
+            <a:lvl4pPr eaLnBrk="1" hangingPunct="1">
+              <a:defRPr>
+                <a:solidFill>
+                  <a:schemeClr val="tx2"/>
+                </a:solidFill>
+              </a:defRPr>
+            </a:lvl4pPr>
+            <a:lvl5pPr eaLnBrk="1" hangingPunct="1">
+              <a:defRPr>
+                <a:solidFill>
+                  <a:schemeClr val="tx2"/>
+                </a:solidFill>
+              </a:defRPr>
+            </a:lvl5pPr>
+            <a:lvl6pPr eaLnBrk="1" hangingPunct="1">
+              <a:defRPr>
+                <a:solidFill>
+                  <a:schemeClr val="tx2"/>
+                </a:solidFill>
+              </a:defRPr>
+            </a:lvl6pPr>
+            <a:lvl7pPr eaLnBrk="1" hangingPunct="1">
+              <a:defRPr>
+                <a:solidFill>
+                  <a:schemeClr val="tx2"/>
+                </a:solidFill>
+              </a:defRPr>
+            </a:lvl7pPr>
+            <a:lvl8pPr eaLnBrk="1" hangingPunct="1">
+              <a:defRPr>
+                <a:solidFill>
+                  <a:schemeClr val="tx2"/>
+                </a:solidFill>
+              </a:defRPr>
+            </a:lvl8pPr>
+            <a:lvl9pPr eaLnBrk="1" hangingPunct="1">
+              <a:defRPr>
+                <a:solidFill>
+                  <a:schemeClr val="tx2"/>
+                </a:solidFill>
+              </a:defRPr>
+            </a:lvl9pPr>
+          </a:lstStyle>
+          <a:p>
+            <a:r>
+              <a:rPr lang="en-US" dirty="0"/>
+              <a:t>The Chenile</a:t>
+            </a:r>
+          </a:p>
+          <a:p>
+            <a:r>
+              <a:rPr lang="en-US" dirty="0"/>
+              <a:t>State Transition </a:t>
+            </a:r>
+          </a:p>
+          <a:p>
+            <a:r>
+              <a:rPr lang="en-US" dirty="0"/>
+              <a:t>Machine</a:t>
+            </a:r>
+          </a:p>
+        </p:txBody>
+      </p:sp>
+      <p:sp>
+        <p:nvSpPr>
+          <p:cNvPr id="4" name="Content Placeholder 2">
+            <a:extLst>
+              <a:ext uri="{FF2B5EF4-FFF2-40B4-BE49-F238E27FC236}">
+                <a16:creationId xmlns:a16="http://schemas.microsoft.com/office/drawing/2014/main" id="{921601AA-E166-F231-7D9F-5CB62B038227}"/>
+              </a:ext>
+            </a:extLst>
+          </p:cNvPr>
+          <p:cNvSpPr txBox="1">
+            <a:spLocks/>
+          </p:cNvSpPr>
+          <p:nvPr/>
+        </p:nvSpPr>
+        <p:spPr>
+          <a:xfrm>
+            <a:off x="1004415" y="2168525"/>
+            <a:ext cx="5091585" cy="1892300"/>
+          </a:xfrm>
+          <a:prstGeom prst="rect">
+            <a:avLst/>
+          </a:prstGeom>
+        </p:spPr>
+        <p:txBody>
+          <a:bodyPr>
+            <a:normAutofit/>
+          </a:bodyPr>
+          <a:lstStyle>
+            <a:lvl1pPr marL="342900" indent="-342900" algn="l" defTabSz="457200" rtl="0" eaLnBrk="1" latinLnBrk="0" hangingPunct="1">
+              <a:spcBef>
+                <a:spcPts val="1000"/>
+              </a:spcBef>
+              <a:spcAft>
+                <a:spcPts val="0"/>
+              </a:spcAft>
+              <a:buClr>
+                <a:schemeClr val="accent1"/>
+              </a:buClr>
+              <a:buFont typeface="Wingdings 3" charset="2"/>
+              <a:buChar char=""/>
+              <a:defRPr sz="1800" kern="1200">
+                <a:solidFill>
+                  <a:schemeClr val="tx1">
+                    <a:lumMod val="75000"/>
+                    <a:lumOff val="25000"/>
+                  </a:schemeClr>
+                </a:solidFill>
+                <a:latin typeface="+mn-lt"/>
+                <a:ea typeface="+mn-ea"/>
+                <a:cs typeface="+mn-cs"/>
+              </a:defRPr>
+            </a:lvl1pPr>
+            <a:lvl2pPr marL="742950" indent="-285750" algn="l" defTabSz="457200" rtl="0" eaLnBrk="1" latinLnBrk="0" hangingPunct="1">
+              <a:spcBef>
+                <a:spcPts val="1000"/>
+              </a:spcBef>
+              <a:spcAft>
+                <a:spcPts val="0"/>
+              </a:spcAft>
+              <a:buClr>
+                <a:schemeClr val="accent1"/>
+              </a:buClr>
+              <a:buFont typeface="Wingdings 3" charset="2"/>
+              <a:buChar char=""/>
+              <a:defRPr sz="1600" kern="1200">
+                <a:solidFill>
+                  <a:schemeClr val="tx1">
+                    <a:lumMod val="75000"/>
+                    <a:lumOff val="25000"/>
+                  </a:schemeClr>
+                </a:solidFill>
+                <a:latin typeface="+mn-lt"/>
+                <a:ea typeface="+mn-ea"/>
+                <a:cs typeface="+mn-cs"/>
+              </a:defRPr>
+            </a:lvl2pPr>
+            <a:lvl3pPr marL="1143000" indent="-228600" algn="l" defTabSz="457200" rtl="0" eaLnBrk="1" latinLnBrk="0" hangingPunct="1">
+              <a:spcBef>
+                <a:spcPts val="1000"/>
+              </a:spcBef>
+              <a:spcAft>
+                <a:spcPts val="0"/>
+              </a:spcAft>
+              <a:buClr>
+                <a:schemeClr val="accent1"/>
+              </a:buClr>
+              <a:buFont typeface="Wingdings 3" charset="2"/>
+              <a:buChar char=""/>
+              <a:defRPr sz="1400" kern="1200">
+                <a:solidFill>
+                  <a:schemeClr val="tx1">
+                    <a:lumMod val="75000"/>
+                    <a:lumOff val="25000"/>
+                  </a:schemeClr>
+                </a:solidFill>
+                <a:latin typeface="+mn-lt"/>
+                <a:ea typeface="+mn-ea"/>
+                <a:cs typeface="+mn-cs"/>
+              </a:defRPr>
+            </a:lvl3pPr>
+            <a:lvl4pPr marL="1600200" indent="-228600" algn="l" defTabSz="457200" rtl="0" eaLnBrk="1" latinLnBrk="0" hangingPunct="1">
+              <a:spcBef>
+                <a:spcPts val="1000"/>
+              </a:spcBef>
+              <a:spcAft>
+                <a:spcPts val="0"/>
+              </a:spcAft>
+              <a:buClr>
+                <a:schemeClr val="accent1"/>
+              </a:buClr>
+              <a:buFont typeface="Wingdings 3" charset="2"/>
+              <a:buChar char=""/>
+              <a:defRPr sz="1200" kern="1200">
+                <a:solidFill>
+                  <a:schemeClr val="tx1">
+                    <a:lumMod val="75000"/>
+                    <a:lumOff val="25000"/>
+                  </a:schemeClr>
+                </a:solidFill>
+                <a:latin typeface="+mn-lt"/>
+                <a:ea typeface="+mn-ea"/>
+                <a:cs typeface="+mn-cs"/>
+              </a:defRPr>
+            </a:lvl4pPr>
+            <a:lvl5pPr marL="2057400" indent="-228600" algn="l" defTabSz="457200" rtl="0" eaLnBrk="1" latinLnBrk="0" hangingPunct="1">
+              <a:spcBef>
+                <a:spcPts val="1000"/>
+              </a:spcBef>
+              <a:spcAft>
+                <a:spcPts val="0"/>
+              </a:spcAft>
+              <a:buClr>
+                <a:schemeClr val="accent1"/>
+              </a:buClr>
+              <a:buFont typeface="Wingdings 3" charset="2"/>
+              <a:buChar char=""/>
+              <a:defRPr sz="1200" kern="1200">
+                <a:solidFill>
+                  <a:schemeClr val="tx1">
+                    <a:lumMod val="75000"/>
+                    <a:lumOff val="25000"/>
+                  </a:schemeClr>
+                </a:solidFill>
+                <a:latin typeface="+mn-lt"/>
+                <a:ea typeface="+mn-ea"/>
+                <a:cs typeface="+mn-cs"/>
+              </a:defRPr>
+            </a:lvl5pPr>
+            <a:lvl6pPr marL="2514600" indent="-228600" algn="l" defTabSz="457200" rtl="0" eaLnBrk="1" latinLnBrk="0" hangingPunct="1">
+              <a:spcBef>
+                <a:spcPts val="1000"/>
+              </a:spcBef>
+              <a:spcAft>
+                <a:spcPts val="0"/>
+              </a:spcAft>
+              <a:buClr>
+                <a:schemeClr val="accent1"/>
+              </a:buClr>
+              <a:buFont typeface="Wingdings 3" charset="2"/>
+              <a:buChar char=""/>
+              <a:defRPr sz="1200" kern="1200">
+                <a:solidFill>
+                  <a:schemeClr val="tx1">
+                    <a:lumMod val="75000"/>
+                    <a:lumOff val="25000"/>
+                  </a:schemeClr>
+                </a:solidFill>
+                <a:latin typeface="+mn-lt"/>
+                <a:ea typeface="+mn-ea"/>
+                <a:cs typeface="+mn-cs"/>
+              </a:defRPr>
+            </a:lvl6pPr>
+            <a:lvl7pPr marL="2971800" indent="-228600" algn="l" defTabSz="457200" rtl="0" eaLnBrk="1" latinLnBrk="0" hangingPunct="1">
+              <a:spcBef>
+                <a:spcPts val="1000"/>
+              </a:spcBef>
+              <a:spcAft>
+                <a:spcPts val="0"/>
+              </a:spcAft>
+              <a:buClr>
+                <a:schemeClr val="accent1"/>
+              </a:buClr>
+              <a:buFont typeface="Wingdings 3" charset="2"/>
+              <a:buChar char=""/>
+              <a:defRPr sz="1200" kern="1200">
+                <a:solidFill>
+                  <a:schemeClr val="tx1">
+                    <a:lumMod val="75000"/>
+                    <a:lumOff val="25000"/>
+                  </a:schemeClr>
+                </a:solidFill>
+                <a:latin typeface="+mn-lt"/>
+                <a:ea typeface="+mn-ea"/>
+                <a:cs typeface="+mn-cs"/>
+              </a:defRPr>
+            </a:lvl7pPr>
+            <a:lvl8pPr marL="3429000" indent="-228600" algn="l" defTabSz="457200" rtl="0" eaLnBrk="1" latinLnBrk="0" hangingPunct="1">
+              <a:spcBef>
+                <a:spcPts val="1000"/>
+              </a:spcBef>
+              <a:spcAft>
+                <a:spcPts val="0"/>
+              </a:spcAft>
+              <a:buClr>
+                <a:schemeClr val="accent1"/>
+              </a:buClr>
+              <a:buFont typeface="Wingdings 3" charset="2"/>
+              <a:buChar char=""/>
+              <a:defRPr sz="1200" kern="1200">
+                <a:solidFill>
+                  <a:schemeClr val="tx1">
+                    <a:lumMod val="75000"/>
+                    <a:lumOff val="25000"/>
+                  </a:schemeClr>
+                </a:solidFill>
+                <a:latin typeface="+mn-lt"/>
+                <a:ea typeface="+mn-ea"/>
+                <a:cs typeface="+mn-cs"/>
+              </a:defRPr>
+            </a:lvl8pPr>
+            <a:lvl9pPr marL="3886200" indent="-228600" algn="l" defTabSz="457200" rtl="0" eaLnBrk="1" latinLnBrk="0" hangingPunct="1">
+              <a:spcBef>
+                <a:spcPts val="1000"/>
+              </a:spcBef>
+              <a:spcAft>
+                <a:spcPts val="0"/>
+              </a:spcAft>
+              <a:buClr>
+                <a:schemeClr val="accent1"/>
+              </a:buClr>
+              <a:buFont typeface="Wingdings 3" charset="2"/>
+              <a:buChar char=""/>
+              <a:defRPr sz="1200" kern="1200">
+                <a:solidFill>
+                  <a:schemeClr val="tx1">
+                    <a:lumMod val="75000"/>
+                    <a:lumOff val="25000"/>
+                  </a:schemeClr>
+                </a:solidFill>
+                <a:latin typeface="+mn-lt"/>
+                <a:ea typeface="+mn-ea"/>
+                <a:cs typeface="+mn-cs"/>
+              </a:defRPr>
+            </a:lvl9pPr>
+          </a:lstStyle>
+          <a:p>
+            <a:r>
+              <a:rPr lang="en-US" dirty="0"/>
+              <a:t>Highly visual workflows that can instantly power state machines</a:t>
+            </a:r>
+          </a:p>
+          <a:p>
+            <a:r>
+              <a:rPr lang="en-US" dirty="0"/>
+              <a:t>From simple to complex workflows</a:t>
+            </a:r>
+          </a:p>
+          <a:p>
+            <a:r>
+              <a:rPr lang="en-US" dirty="0"/>
+              <a:t>Support for testcase generation.</a:t>
+            </a:r>
+          </a:p>
+          <a:p>
+            <a:endParaRPr lang="en-US" dirty="0"/>
+          </a:p>
+          <a:p>
+            <a:endParaRPr lang="en-US" dirty="0"/>
+          </a:p>
+        </p:txBody>
+      </p:sp>
+      <p:pic>
+        <p:nvPicPr>
+          <p:cNvPr id="6" name="Picture 5">
+            <a:extLst>
+              <a:ext uri="{FF2B5EF4-FFF2-40B4-BE49-F238E27FC236}">
+                <a16:creationId xmlns:a16="http://schemas.microsoft.com/office/drawing/2014/main" id="{C83D90D9-5F3D-D3E4-E195-883262AAF651}"/>
+              </a:ext>
+            </a:extLst>
+          </p:cNvPr>
+          <p:cNvPicPr>
+            <a:picLocks noChangeAspect="1"/>
+          </p:cNvPicPr>
+          <p:nvPr/>
+        </p:nvPicPr>
+        <p:blipFill>
+          <a:blip r:embed="rId3"/>
+          <a:stretch>
+            <a:fillRect/>
+          </a:stretch>
+        </p:blipFill>
+        <p:spPr>
+          <a:xfrm>
+            <a:off x="6374393" y="400050"/>
+            <a:ext cx="1892300" cy="6165850"/>
+          </a:xfrm>
+          <a:prstGeom prst="rect">
+            <a:avLst/>
+          </a:prstGeom>
+        </p:spPr>
+      </p:pic>
+      <p:pic>
+        <p:nvPicPr>
+          <p:cNvPr id="8" name="Picture 7">
+            <a:extLst>
+              <a:ext uri="{FF2B5EF4-FFF2-40B4-BE49-F238E27FC236}">
+                <a16:creationId xmlns:a16="http://schemas.microsoft.com/office/drawing/2014/main" id="{41A9BA97-B7F5-C06B-E79B-963C036DDE51}"/>
+              </a:ext>
+            </a:extLst>
+          </p:cNvPr>
+          <p:cNvPicPr>
+            <a:picLocks noChangeAspect="1"/>
+          </p:cNvPicPr>
+          <p:nvPr/>
+        </p:nvPicPr>
+        <p:blipFill>
+          <a:blip r:embed="rId4"/>
+          <a:stretch>
+            <a:fillRect/>
+          </a:stretch>
+        </p:blipFill>
+        <p:spPr>
+          <a:xfrm>
+            <a:off x="8243094" y="400050"/>
+            <a:ext cx="1892300" cy="6165850"/>
+          </a:xfrm>
+          <a:prstGeom prst="rect">
+            <a:avLst/>
+          </a:prstGeom>
+        </p:spPr>
+      </p:pic>
+      <p:pic>
+        <p:nvPicPr>
+          <p:cNvPr id="10" name="Picture 9">
+            <a:extLst>
+              <a:ext uri="{FF2B5EF4-FFF2-40B4-BE49-F238E27FC236}">
+                <a16:creationId xmlns:a16="http://schemas.microsoft.com/office/drawing/2014/main" id="{B68F42A6-16F9-ACC6-F12C-2A10E483F97D}"/>
+              </a:ext>
+            </a:extLst>
+          </p:cNvPr>
+          <p:cNvPicPr>
+            <a:picLocks noChangeAspect="1"/>
+          </p:cNvPicPr>
+          <p:nvPr/>
+        </p:nvPicPr>
+        <p:blipFill>
+          <a:blip r:embed="rId5"/>
+          <a:stretch>
+            <a:fillRect/>
+          </a:stretch>
+        </p:blipFill>
+        <p:spPr>
+          <a:xfrm>
+            <a:off x="10135394" y="400050"/>
+            <a:ext cx="1892300" cy="6165850"/>
+          </a:xfrm>
+          <a:prstGeom prst="rect">
+            <a:avLst/>
+          </a:prstGeom>
+        </p:spPr>
+      </p:pic>
+    </p:spTree>
+    <p:extLst>
+      <p:ext uri="{BB962C8B-B14F-4D97-AF65-F5344CB8AC3E}">
+        <p14:creationId xmlns:p14="http://schemas.microsoft.com/office/powerpoint/2010/main" val="2201266411"/>
+      </p:ext>
+    </p:extLst>
+  </p:cSld>
+  <p:clrMapOvr>
+    <a:masterClrMapping/>
+  </p:clrMapOvr>
+</p:sld>
+</file>
+
+<file path=ppt/slides/slide7.xml><?xml version="1.0" encoding="utf-8"?>
+<p:sld xmlns:a="http://schemas.openxmlformats.org/drawingml/2006/main" xmlns:r="http://schemas.openxmlformats.org/officeDocument/2006/relationships" xmlns:p="http://schemas.openxmlformats.org/presentationml/2006/main">
+  <p:cSld>
+    <p:spTree>
+      <p:nvGrpSpPr>
+        <p:cNvPr id="1" name=""/>
+        <p:cNvGrpSpPr/>
+        <p:nvPr/>
+      </p:nvGrpSpPr>
+      <p:grpSpPr>
+        <a:xfrm>
+          <a:off x="0" y="0"/>
+          <a:ext cx="0" cy="0"/>
+          <a:chOff x="0" y="0"/>
+          <a:chExt cx="0" cy="0"/>
+        </a:xfrm>
+      </p:grpSpPr>
+      <p:sp>
+        <p:nvSpPr>
           <p:cNvPr id="26" name="Right Arrow 25">
             <a:extLst>
               <a:ext uri="{FF2B5EF4-FFF2-40B4-BE49-F238E27FC236}">
@@ -30449,517 +30960,6 @@
 </p:sld>
 </file>
 
-<file path=ppt/slides/slide7.xml><?xml version="1.0" encoding="utf-8"?>
-<p:sld xmlns:a="http://schemas.openxmlformats.org/drawingml/2006/main" xmlns:r="http://schemas.openxmlformats.org/officeDocument/2006/relationships" xmlns:p="http://schemas.openxmlformats.org/presentationml/2006/main">
-  <p:cSld>
-    <p:spTree>
-      <p:nvGrpSpPr>
-        <p:cNvPr id="1" name=""/>
-        <p:cNvGrpSpPr/>
-        <p:nvPr/>
-      </p:nvGrpSpPr>
-      <p:grpSpPr>
-        <a:xfrm>
-          <a:off x="0" y="0"/>
-          <a:ext cx="0" cy="0"/>
-          <a:chOff x="0" y="0"/>
-          <a:chExt cx="0" cy="0"/>
-        </a:xfrm>
-      </p:grpSpPr>
-      <p:sp>
-        <p:nvSpPr>
-          <p:cNvPr id="2" name="Title 1">
-            <a:extLst>
-              <a:ext uri="{FF2B5EF4-FFF2-40B4-BE49-F238E27FC236}">
-                <a16:creationId xmlns:a16="http://schemas.microsoft.com/office/drawing/2014/main" id="{E5EB59A2-2DA9-A4A5-99CE-38B2F286E812}"/>
-              </a:ext>
-            </a:extLst>
-          </p:cNvPr>
-          <p:cNvSpPr txBox="1">
-            <a:spLocks/>
-          </p:cNvSpPr>
-          <p:nvPr/>
-        </p:nvSpPr>
-        <p:spPr>
-          <a:xfrm>
-            <a:off x="1624075" y="210800"/>
-            <a:ext cx="3766068" cy="1280890"/>
-          </a:xfrm>
-          <a:prstGeom prst="rect">
-            <a:avLst/>
-          </a:prstGeom>
-        </p:spPr>
-        <p:txBody>
-          <a:bodyPr/>
-          <a:lstStyle>
-            <a:lvl1pPr algn="l" defTabSz="457200" rtl="0" eaLnBrk="1" latinLnBrk="0" hangingPunct="1">
-              <a:spcBef>
-                <a:spcPct val="0"/>
-              </a:spcBef>
-              <a:buNone/>
-              <a:defRPr sz="3600" kern="1200">
-                <a:solidFill>
-                  <a:schemeClr val="tx1">
-                    <a:lumMod val="85000"/>
-                    <a:lumOff val="15000"/>
-                  </a:schemeClr>
-                </a:solidFill>
-                <a:latin typeface="+mj-lt"/>
-                <a:ea typeface="+mj-ea"/>
-                <a:cs typeface="+mj-cs"/>
-              </a:defRPr>
-            </a:lvl1pPr>
-            <a:lvl2pPr eaLnBrk="1" hangingPunct="1">
-              <a:defRPr>
-                <a:solidFill>
-                  <a:schemeClr val="tx2"/>
-                </a:solidFill>
-              </a:defRPr>
-            </a:lvl2pPr>
-            <a:lvl3pPr eaLnBrk="1" hangingPunct="1">
-              <a:defRPr>
-                <a:solidFill>
-                  <a:schemeClr val="tx2"/>
-                </a:solidFill>
-              </a:defRPr>
-            </a:lvl3pPr>
-            <a:lvl4pPr eaLnBrk="1" hangingPunct="1">
-              <a:defRPr>
-                <a:solidFill>
-                  <a:schemeClr val="tx2"/>
-                </a:solidFill>
-              </a:defRPr>
-            </a:lvl4pPr>
-            <a:lvl5pPr eaLnBrk="1" hangingPunct="1">
-              <a:defRPr>
-                <a:solidFill>
-                  <a:schemeClr val="tx2"/>
-                </a:solidFill>
-              </a:defRPr>
-            </a:lvl5pPr>
-            <a:lvl6pPr eaLnBrk="1" hangingPunct="1">
-              <a:defRPr>
-                <a:solidFill>
-                  <a:schemeClr val="tx2"/>
-                </a:solidFill>
-              </a:defRPr>
-            </a:lvl6pPr>
-            <a:lvl7pPr eaLnBrk="1" hangingPunct="1">
-              <a:defRPr>
-                <a:solidFill>
-                  <a:schemeClr val="tx2"/>
-                </a:solidFill>
-              </a:defRPr>
-            </a:lvl7pPr>
-            <a:lvl8pPr eaLnBrk="1" hangingPunct="1">
-              <a:defRPr>
-                <a:solidFill>
-                  <a:schemeClr val="tx2"/>
-                </a:solidFill>
-              </a:defRPr>
-            </a:lvl8pPr>
-            <a:lvl9pPr eaLnBrk="1" hangingPunct="1">
-              <a:defRPr>
-                <a:solidFill>
-                  <a:schemeClr val="tx2"/>
-                </a:solidFill>
-              </a:defRPr>
-            </a:lvl9pPr>
-          </a:lstStyle>
-          <a:p>
-            <a:r>
-              <a:rPr lang="en-US" dirty="0"/>
-              <a:t>The Chenile</a:t>
-            </a:r>
-          </a:p>
-          <a:p>
-            <a:r>
-              <a:rPr lang="en-US" dirty="0"/>
-              <a:t>State Transition </a:t>
-            </a:r>
-          </a:p>
-          <a:p>
-            <a:r>
-              <a:rPr lang="en-US" dirty="0"/>
-              <a:t>Machine</a:t>
-            </a:r>
-          </a:p>
-        </p:txBody>
-      </p:sp>
-      <p:sp>
-        <p:nvSpPr>
-          <p:cNvPr id="4" name="Content Placeholder 2">
-            <a:extLst>
-              <a:ext uri="{FF2B5EF4-FFF2-40B4-BE49-F238E27FC236}">
-                <a16:creationId xmlns:a16="http://schemas.microsoft.com/office/drawing/2014/main" id="{921601AA-E166-F231-7D9F-5CB62B038227}"/>
-              </a:ext>
-            </a:extLst>
-          </p:cNvPr>
-          <p:cNvSpPr txBox="1">
-            <a:spLocks/>
-          </p:cNvSpPr>
-          <p:nvPr/>
-        </p:nvSpPr>
-        <p:spPr>
-          <a:xfrm>
-            <a:off x="1004415" y="2168525"/>
-            <a:ext cx="5091585" cy="1892300"/>
-          </a:xfrm>
-          <a:prstGeom prst="rect">
-            <a:avLst/>
-          </a:prstGeom>
-        </p:spPr>
-        <p:txBody>
-          <a:bodyPr>
-            <a:normAutofit/>
-          </a:bodyPr>
-          <a:lstStyle>
-            <a:lvl1pPr marL="342900" indent="-342900" algn="l" defTabSz="457200" rtl="0" eaLnBrk="1" latinLnBrk="0" hangingPunct="1">
-              <a:spcBef>
-                <a:spcPts val="1000"/>
-              </a:spcBef>
-              <a:spcAft>
-                <a:spcPts val="0"/>
-              </a:spcAft>
-              <a:buClr>
-                <a:schemeClr val="accent1"/>
-              </a:buClr>
-              <a:buFont typeface="Wingdings 3" charset="2"/>
-              <a:buChar char=""/>
-              <a:defRPr sz="1800" kern="1200">
-                <a:solidFill>
-                  <a:schemeClr val="tx1">
-                    <a:lumMod val="75000"/>
-                    <a:lumOff val="25000"/>
-                  </a:schemeClr>
-                </a:solidFill>
-                <a:latin typeface="+mn-lt"/>
-                <a:ea typeface="+mn-ea"/>
-                <a:cs typeface="+mn-cs"/>
-              </a:defRPr>
-            </a:lvl1pPr>
-            <a:lvl2pPr marL="742950" indent="-285750" algn="l" defTabSz="457200" rtl="0" eaLnBrk="1" latinLnBrk="0" hangingPunct="1">
-              <a:spcBef>
-                <a:spcPts val="1000"/>
-              </a:spcBef>
-              <a:spcAft>
-                <a:spcPts val="0"/>
-              </a:spcAft>
-              <a:buClr>
-                <a:schemeClr val="accent1"/>
-              </a:buClr>
-              <a:buFont typeface="Wingdings 3" charset="2"/>
-              <a:buChar char=""/>
-              <a:defRPr sz="1600" kern="1200">
-                <a:solidFill>
-                  <a:schemeClr val="tx1">
-                    <a:lumMod val="75000"/>
-                    <a:lumOff val="25000"/>
-                  </a:schemeClr>
-                </a:solidFill>
-                <a:latin typeface="+mn-lt"/>
-                <a:ea typeface="+mn-ea"/>
-                <a:cs typeface="+mn-cs"/>
-              </a:defRPr>
-            </a:lvl2pPr>
-            <a:lvl3pPr marL="1143000" indent="-228600" algn="l" defTabSz="457200" rtl="0" eaLnBrk="1" latinLnBrk="0" hangingPunct="1">
-              <a:spcBef>
-                <a:spcPts val="1000"/>
-              </a:spcBef>
-              <a:spcAft>
-                <a:spcPts val="0"/>
-              </a:spcAft>
-              <a:buClr>
-                <a:schemeClr val="accent1"/>
-              </a:buClr>
-              <a:buFont typeface="Wingdings 3" charset="2"/>
-              <a:buChar char=""/>
-              <a:defRPr sz="1400" kern="1200">
-                <a:solidFill>
-                  <a:schemeClr val="tx1">
-                    <a:lumMod val="75000"/>
-                    <a:lumOff val="25000"/>
-                  </a:schemeClr>
-                </a:solidFill>
-                <a:latin typeface="+mn-lt"/>
-                <a:ea typeface="+mn-ea"/>
-                <a:cs typeface="+mn-cs"/>
-              </a:defRPr>
-            </a:lvl3pPr>
-            <a:lvl4pPr marL="1600200" indent="-228600" algn="l" defTabSz="457200" rtl="0" eaLnBrk="1" latinLnBrk="0" hangingPunct="1">
-              <a:spcBef>
-                <a:spcPts val="1000"/>
-              </a:spcBef>
-              <a:spcAft>
-                <a:spcPts val="0"/>
-              </a:spcAft>
-              <a:buClr>
-                <a:schemeClr val="accent1"/>
-              </a:buClr>
-              <a:buFont typeface="Wingdings 3" charset="2"/>
-              <a:buChar char=""/>
-              <a:defRPr sz="1200" kern="1200">
-                <a:solidFill>
-                  <a:schemeClr val="tx1">
-                    <a:lumMod val="75000"/>
-                    <a:lumOff val="25000"/>
-                  </a:schemeClr>
-                </a:solidFill>
-                <a:latin typeface="+mn-lt"/>
-                <a:ea typeface="+mn-ea"/>
-                <a:cs typeface="+mn-cs"/>
-              </a:defRPr>
-            </a:lvl4pPr>
-            <a:lvl5pPr marL="2057400" indent="-228600" algn="l" defTabSz="457200" rtl="0" eaLnBrk="1" latinLnBrk="0" hangingPunct="1">
-              <a:spcBef>
-                <a:spcPts val="1000"/>
-              </a:spcBef>
-              <a:spcAft>
-                <a:spcPts val="0"/>
-              </a:spcAft>
-              <a:buClr>
-                <a:schemeClr val="accent1"/>
-              </a:buClr>
-              <a:buFont typeface="Wingdings 3" charset="2"/>
-              <a:buChar char=""/>
-              <a:defRPr sz="1200" kern="1200">
-                <a:solidFill>
-                  <a:schemeClr val="tx1">
-                    <a:lumMod val="75000"/>
-                    <a:lumOff val="25000"/>
-                  </a:schemeClr>
-                </a:solidFill>
-                <a:latin typeface="+mn-lt"/>
-                <a:ea typeface="+mn-ea"/>
-                <a:cs typeface="+mn-cs"/>
-              </a:defRPr>
-            </a:lvl5pPr>
-            <a:lvl6pPr marL="2514600" indent="-228600" algn="l" defTabSz="457200" rtl="0" eaLnBrk="1" latinLnBrk="0" hangingPunct="1">
-              <a:spcBef>
-                <a:spcPts val="1000"/>
-              </a:spcBef>
-              <a:spcAft>
-                <a:spcPts val="0"/>
-              </a:spcAft>
-              <a:buClr>
-                <a:schemeClr val="accent1"/>
-              </a:buClr>
-              <a:buFont typeface="Wingdings 3" charset="2"/>
-              <a:buChar char=""/>
-              <a:defRPr sz="1200" kern="1200">
-                <a:solidFill>
-                  <a:schemeClr val="tx1">
-                    <a:lumMod val="75000"/>
-                    <a:lumOff val="25000"/>
-                  </a:schemeClr>
-                </a:solidFill>
-                <a:latin typeface="+mn-lt"/>
-                <a:ea typeface="+mn-ea"/>
-                <a:cs typeface="+mn-cs"/>
-              </a:defRPr>
-            </a:lvl6pPr>
-            <a:lvl7pPr marL="2971800" indent="-228600" algn="l" defTabSz="457200" rtl="0" eaLnBrk="1" latinLnBrk="0" hangingPunct="1">
-              <a:spcBef>
-                <a:spcPts val="1000"/>
-              </a:spcBef>
-              <a:spcAft>
-                <a:spcPts val="0"/>
-              </a:spcAft>
-              <a:buClr>
-                <a:schemeClr val="accent1"/>
-              </a:buClr>
-              <a:buFont typeface="Wingdings 3" charset="2"/>
-              <a:buChar char=""/>
-              <a:defRPr sz="1200" kern="1200">
-                <a:solidFill>
-                  <a:schemeClr val="tx1">
-                    <a:lumMod val="75000"/>
-                    <a:lumOff val="25000"/>
-                  </a:schemeClr>
-                </a:solidFill>
-                <a:latin typeface="+mn-lt"/>
-                <a:ea typeface="+mn-ea"/>
-                <a:cs typeface="+mn-cs"/>
-              </a:defRPr>
-            </a:lvl7pPr>
-            <a:lvl8pPr marL="3429000" indent="-228600" algn="l" defTabSz="457200" rtl="0" eaLnBrk="1" latinLnBrk="0" hangingPunct="1">
-              <a:spcBef>
-                <a:spcPts val="1000"/>
-              </a:spcBef>
-              <a:spcAft>
-                <a:spcPts val="0"/>
-              </a:spcAft>
-              <a:buClr>
-                <a:schemeClr val="accent1"/>
-              </a:buClr>
-              <a:buFont typeface="Wingdings 3" charset="2"/>
-              <a:buChar char=""/>
-              <a:defRPr sz="1200" kern="1200">
-                <a:solidFill>
-                  <a:schemeClr val="tx1">
-                    <a:lumMod val="75000"/>
-                    <a:lumOff val="25000"/>
-                  </a:schemeClr>
-                </a:solidFill>
-                <a:latin typeface="+mn-lt"/>
-                <a:ea typeface="+mn-ea"/>
-                <a:cs typeface="+mn-cs"/>
-              </a:defRPr>
-            </a:lvl8pPr>
-            <a:lvl9pPr marL="3886200" indent="-228600" algn="l" defTabSz="457200" rtl="0" eaLnBrk="1" latinLnBrk="0" hangingPunct="1">
-              <a:spcBef>
-                <a:spcPts val="1000"/>
-              </a:spcBef>
-              <a:spcAft>
-                <a:spcPts val="0"/>
-              </a:spcAft>
-              <a:buClr>
-                <a:schemeClr val="accent1"/>
-              </a:buClr>
-              <a:buFont typeface="Wingdings 3" charset="2"/>
-              <a:buChar char=""/>
-              <a:defRPr sz="1200" kern="1200">
-                <a:solidFill>
-                  <a:schemeClr val="tx1">
-                    <a:lumMod val="75000"/>
-                    <a:lumOff val="25000"/>
-                  </a:schemeClr>
-                </a:solidFill>
-                <a:latin typeface="+mn-lt"/>
-                <a:ea typeface="+mn-ea"/>
-                <a:cs typeface="+mn-cs"/>
-              </a:defRPr>
-            </a:lvl9pPr>
-          </a:lstStyle>
-          <a:p>
-            <a:r>
-              <a:rPr lang="en-US" dirty="0"/>
-              <a:t>Highly visual workflows that can instantly power state machines</a:t>
-            </a:r>
-          </a:p>
-          <a:p>
-            <a:r>
-              <a:rPr lang="en-US" dirty="0"/>
-              <a:t>From simple to complex workflows</a:t>
-            </a:r>
-          </a:p>
-          <a:p>
-            <a:r>
-              <a:rPr lang="en-US" dirty="0"/>
-              <a:t>Support for testcase generation.</a:t>
-            </a:r>
-          </a:p>
-          <a:p>
-            <a:endParaRPr lang="en-US" dirty="0"/>
-          </a:p>
-          <a:p>
-            <a:endParaRPr lang="en-US" dirty="0"/>
-          </a:p>
-        </p:txBody>
-      </p:sp>
-      <p:pic>
-        <p:nvPicPr>
-          <p:cNvPr id="6" name="Picture 5">
-            <a:extLst>
-              <a:ext uri="{FF2B5EF4-FFF2-40B4-BE49-F238E27FC236}">
-                <a16:creationId xmlns:a16="http://schemas.microsoft.com/office/drawing/2014/main" id="{C83D90D9-5F3D-D3E4-E195-883262AAF651}"/>
-              </a:ext>
-            </a:extLst>
-          </p:cNvPr>
-          <p:cNvPicPr>
-            <a:picLocks noChangeAspect="1"/>
-          </p:cNvPicPr>
-          <p:nvPr/>
-        </p:nvPicPr>
-        <p:blipFill>
-          <a:blip r:embed="rId3"/>
-          <a:stretch>
-            <a:fillRect/>
-          </a:stretch>
-        </p:blipFill>
-        <p:spPr>
-          <a:xfrm>
-            <a:off x="6374393" y="400050"/>
-            <a:ext cx="1892300" cy="6165850"/>
-          </a:xfrm>
-          <a:prstGeom prst="rect">
-            <a:avLst/>
-          </a:prstGeom>
-        </p:spPr>
-      </p:pic>
-      <p:pic>
-        <p:nvPicPr>
-          <p:cNvPr id="8" name="Picture 7">
-            <a:extLst>
-              <a:ext uri="{FF2B5EF4-FFF2-40B4-BE49-F238E27FC236}">
-                <a16:creationId xmlns:a16="http://schemas.microsoft.com/office/drawing/2014/main" id="{41A9BA97-B7F5-C06B-E79B-963C036DDE51}"/>
-              </a:ext>
-            </a:extLst>
-          </p:cNvPr>
-          <p:cNvPicPr>
-            <a:picLocks noChangeAspect="1"/>
-          </p:cNvPicPr>
-          <p:nvPr/>
-        </p:nvPicPr>
-        <p:blipFill>
-          <a:blip r:embed="rId4"/>
-          <a:stretch>
-            <a:fillRect/>
-          </a:stretch>
-        </p:blipFill>
-        <p:spPr>
-          <a:xfrm>
-            <a:off x="8243094" y="400050"/>
-            <a:ext cx="1892300" cy="6165850"/>
-          </a:xfrm>
-          <a:prstGeom prst="rect">
-            <a:avLst/>
-          </a:prstGeom>
-        </p:spPr>
-      </p:pic>
-      <p:pic>
-        <p:nvPicPr>
-          <p:cNvPr id="10" name="Picture 9">
-            <a:extLst>
-              <a:ext uri="{FF2B5EF4-FFF2-40B4-BE49-F238E27FC236}">
-                <a16:creationId xmlns:a16="http://schemas.microsoft.com/office/drawing/2014/main" id="{B68F42A6-16F9-ACC6-F12C-2A10E483F97D}"/>
-              </a:ext>
-            </a:extLst>
-          </p:cNvPr>
-          <p:cNvPicPr>
-            <a:picLocks noChangeAspect="1"/>
-          </p:cNvPicPr>
-          <p:nvPr/>
-        </p:nvPicPr>
-        <p:blipFill>
-          <a:blip r:embed="rId5"/>
-          <a:stretch>
-            <a:fillRect/>
-          </a:stretch>
-        </p:blipFill>
-        <p:spPr>
-          <a:xfrm>
-            <a:off x="10135394" y="400050"/>
-            <a:ext cx="1892300" cy="6165850"/>
-          </a:xfrm>
-          <a:prstGeom prst="rect">
-            <a:avLst/>
-          </a:prstGeom>
-        </p:spPr>
-      </p:pic>
-    </p:spTree>
-    <p:extLst>
-      <p:ext uri="{BB962C8B-B14F-4D97-AF65-F5344CB8AC3E}">
-        <p14:creationId xmlns:p14="http://schemas.microsoft.com/office/powerpoint/2010/main" val="2201266411"/>
-      </p:ext>
-    </p:extLst>
-  </p:cSld>
-  <p:clrMapOvr>
-    <a:masterClrMapping/>
-  </p:clrMapOvr>
-</p:sld>
-</file>
-
 <file path=ppt/theme/theme1.xml><?xml version="1.0" encoding="utf-8"?>
 <a:theme xmlns:a="http://schemas.openxmlformats.org/drawingml/2006/main" name="Wisp">
   <a:themeElements>
